--- a/cars_case_study_final.pptx
+++ b/cars_case_study_final.pptx
@@ -6436,21 +6436,21 @@
           <a:chExt cx="0" cy="0"/>
         </a:xfrm>
       </p:grpSpPr>
-      <p:sp useBgFill="1">
-        <p:nvSpPr>
-          <p:cNvPr id="31" name="Rectangle 30">
+      <p:pic>
+        <p:nvPicPr>
+          <p:cNvPr id="48" name="Picture 47">
             <a:extLst>
               <a:ext uri="{FF2B5EF4-FFF2-40B4-BE49-F238E27FC236}">
-                <a16:creationId xmlns:a16="http://schemas.microsoft.com/office/drawing/2014/main" id="{9B0F3308-12C4-4DD7-ABB4-D0DFAA3CF6DE}"/>
+                <a16:creationId xmlns:a16="http://schemas.microsoft.com/office/drawing/2014/main" id="{B1395C1E-2648-4FFC-AC7C-2C170835181E}"/>
               </a:ext>
               <a:ext uri="{C183D7F6-B498-43B3-948B-1728B52AA6E4}">
                 <adec:decorative xmlns:adec="http://schemas.microsoft.com/office/drawing/2017/decorative" val="1"/>
               </a:ext>
             </a:extLst>
           </p:cNvPr>
-          <p:cNvSpPr>
-            <a:spLocks noGrp="1" noRot="1" noChangeAspect="1" noMove="1" noResize="1" noEditPoints="1" noAdjustHandles="1" noChangeArrowheads="1" noChangeShapeType="1" noTextEdit="1"/>
-          </p:cNvSpPr>
+          <p:cNvPicPr>
+            <a:picLocks noGrp="1" noRot="1" noChangeAspect="1" noMove="1" noResize="1" noEditPoints="1" noAdjustHandles="1" noChangeArrowheads="1" noChangeShapeType="1" noCrop="1"/>
+          </p:cNvPicPr>
           <p:nvPr>
             <p:extLst>
               <p:ext uri="{386F3935-93C4-4BCD-93E2-E3B085C9AB24}">
@@ -6458,15 +6458,108 @@
               </p:ext>
             </p:extLst>
           </p:nvPr>
-        </p:nvSpPr>
+        </p:nvPicPr>
+        <p:blipFill>
+          <a:blip r:embed="rId3">
+            <a:extLst>
+              <a:ext uri="{28A0092B-C50C-407E-A947-70E740481C1C}">
+                <a14:useLocalDpi xmlns:a14="http://schemas.microsoft.com/office/drawing/2010/main" val="0"/>
+              </a:ext>
+            </a:extLst>
+          </a:blip>
+          <a:stretch>
+            <a:fillRect/>
+          </a:stretch>
+        </p:blipFill>
+        <p:spPr>
+          <a:xfrm>
+            <a:off x="2831794" y="2105202"/>
+            <a:ext cx="9360205" cy="4752798"/>
+          </a:xfrm>
+          <a:prstGeom prst="rect">
+            <a:avLst/>
+          </a:prstGeom>
+        </p:spPr>
+      </p:pic>
+      <p:pic>
+        <p:nvPicPr>
+          <p:cNvPr id="50" name="Picture 49">
+            <a:extLst>
+              <a:ext uri="{FF2B5EF4-FFF2-40B4-BE49-F238E27FC236}">
+                <a16:creationId xmlns:a16="http://schemas.microsoft.com/office/drawing/2014/main" id="{1C7379FE-10D6-4FEA-BEA3-5E2034A44C82}"/>
+              </a:ext>
+              <a:ext uri="{C183D7F6-B498-43B3-948B-1728B52AA6E4}">
+                <adec:decorative xmlns:adec="http://schemas.microsoft.com/office/drawing/2017/decorative" val="1"/>
+              </a:ext>
+            </a:extLst>
+          </p:cNvPr>
+          <p:cNvPicPr>
+            <a:picLocks noGrp="1" noRot="1" noChangeAspect="1" noMove="1" noResize="1" noEditPoints="1" noAdjustHandles="1" noChangeArrowheads="1" noChangeShapeType="1" noCrop="1"/>
+          </p:cNvPicPr>
+          <p:nvPr>
+            <p:extLst>
+              <p:ext uri="{386F3935-93C4-4BCD-93E2-E3B085C9AB24}">
+                <p16:designElem xmlns:p16="http://schemas.microsoft.com/office/powerpoint/2015/main" val="1"/>
+              </p:ext>
+            </p:extLst>
+          </p:nvPr>
+        </p:nvPicPr>
+        <p:blipFill>
+          <a:blip r:embed="rId4">
+            <a:extLst>
+              <a:ext uri="{28A0092B-C50C-407E-A947-70E740481C1C}">
+                <a14:useLocalDpi xmlns:a14="http://schemas.microsoft.com/office/drawing/2010/main" val="0"/>
+              </a:ext>
+            </a:extLst>
+          </a:blip>
+          <a:stretch>
+            <a:fillRect/>
+          </a:stretch>
+        </p:blipFill>
         <p:spPr>
           <a:xfrm>
             <a:off x="0" y="0"/>
-            <a:ext cx="12189867" cy="6855282"/>
-          </a:xfrm>
-          <a:prstGeom prst="rect">
-            <a:avLst/>
-          </a:prstGeom>
+            <a:ext cx="12189867" cy="6858000"/>
+          </a:xfrm>
+          <a:prstGeom prst="rect">
+            <a:avLst/>
+          </a:prstGeom>
+        </p:spPr>
+      </p:pic>
+      <p:sp>
+        <p:nvSpPr>
+          <p:cNvPr id="52" name="Rectangle 51">
+            <a:extLst>
+              <a:ext uri="{FF2B5EF4-FFF2-40B4-BE49-F238E27FC236}">
+                <a16:creationId xmlns:a16="http://schemas.microsoft.com/office/drawing/2014/main" id="{90FB7BFA-EBDD-467C-B253-EFA700504181}"/>
+              </a:ext>
+              <a:ext uri="{C183D7F6-B498-43B3-948B-1728B52AA6E4}">
+                <adec:decorative xmlns:adec="http://schemas.microsoft.com/office/drawing/2017/decorative" val="1"/>
+              </a:ext>
+            </a:extLst>
+          </p:cNvPr>
+          <p:cNvSpPr>
+            <a:spLocks noGrp="1" noRot="1" noChangeAspect="1" noMove="1" noResize="1" noEditPoints="1" noAdjustHandles="1" noChangeArrowheads="1" noChangeShapeType="1" noTextEdit="1"/>
+          </p:cNvSpPr>
+          <p:nvPr>
+            <p:extLst>
+              <p:ext uri="{386F3935-93C4-4BCD-93E2-E3B085C9AB24}">
+                <p16:designElem xmlns:p16="http://schemas.microsoft.com/office/powerpoint/2015/main" val="1"/>
+              </p:ext>
+            </p:extLst>
+          </p:nvPr>
+        </p:nvSpPr>
+        <p:spPr>
+          <a:xfrm>
+            <a:off x="0" y="0"/>
+            <a:ext cx="964174" cy="6858000"/>
+          </a:xfrm>
+          <a:prstGeom prst="rect">
+            <a:avLst/>
+          </a:prstGeom>
+          <a:solidFill>
+            <a:schemeClr val="bg2"/>
+          </a:solidFill>
           <a:ln>
             <a:noFill/>
           </a:ln>
@@ -6487,30 +6580,22 @@
             <a:schemeClr val="lt1"/>
           </a:fontRef>
         </p:style>
-        <p:txBody>
-          <a:bodyPr rtlCol="0" anchor="ctr"/>
-          <a:lstStyle/>
-          <a:p>
-            <a:pPr algn="ctr"/>
-            <a:endParaRPr lang="en-US"/>
-          </a:p>
-        </p:txBody>
-      </p:sp>
-      <p:pic>
-        <p:nvPicPr>
-          <p:cNvPr id="33" name="Picture 32">
+      </p:sp>
+      <p:sp>
+        <p:nvSpPr>
+          <p:cNvPr id="54" name="Rectangle 53">
             <a:extLst>
               <a:ext uri="{FF2B5EF4-FFF2-40B4-BE49-F238E27FC236}">
-                <a16:creationId xmlns:a16="http://schemas.microsoft.com/office/drawing/2014/main" id="{6A24046D-AAB6-4470-AC22-6448D576E5B5}"/>
+                <a16:creationId xmlns:a16="http://schemas.microsoft.com/office/drawing/2014/main" id="{23A9D773-2FA9-4E93-A01A-AEECF93EB47D}"/>
               </a:ext>
               <a:ext uri="{C183D7F6-B498-43B3-948B-1728B52AA6E4}">
                 <adec:decorative xmlns:adec="http://schemas.microsoft.com/office/drawing/2017/decorative" val="1"/>
               </a:ext>
             </a:extLst>
           </p:cNvPr>
-          <p:cNvPicPr>
-            <a:picLocks noGrp="1" noRot="1" noChangeAspect="1" noMove="1" noResize="1" noEditPoints="1" noAdjustHandles="1" noChangeArrowheads="1" noChangeShapeType="1" noCrop="1"/>
-          </p:cNvPicPr>
+          <p:cNvSpPr>
+            <a:spLocks noGrp="1" noRot="1" noChangeAspect="1" noMove="1" noResize="1" noEditPoints="1" noAdjustHandles="1" noChangeArrowheads="1" noChangeShapeType="1" noTextEdit="1"/>
+          </p:cNvSpPr>
           <p:nvPr>
             <p:extLst>
               <p:ext uri="{386F3935-93C4-4BCD-93E2-E3B085C9AB24}">
@@ -6518,108 +6603,17 @@
               </p:ext>
             </p:extLst>
           </p:nvPr>
-        </p:nvPicPr>
-        <p:blipFill>
-          <a:blip r:embed="rId3">
-            <a:extLst>
-              <a:ext uri="{28A0092B-C50C-407E-A947-70E740481C1C}">
-                <a14:useLocalDpi xmlns:a14="http://schemas.microsoft.com/office/drawing/2010/main" val="0"/>
-              </a:ext>
-            </a:extLst>
-          </a:blip>
-          <a:stretch>
-            <a:fillRect/>
-          </a:stretch>
-        </p:blipFill>
-        <p:spPr>
-          <a:xfrm>
-            <a:off x="2831794" y="2105202"/>
-            <a:ext cx="9360205" cy="4752798"/>
-          </a:xfrm>
-          <a:prstGeom prst="rect">
-            <a:avLst/>
-          </a:prstGeom>
-        </p:spPr>
-      </p:pic>
-      <p:pic>
-        <p:nvPicPr>
-          <p:cNvPr id="35" name="Picture 34">
-            <a:extLst>
-              <a:ext uri="{FF2B5EF4-FFF2-40B4-BE49-F238E27FC236}">
-                <a16:creationId xmlns:a16="http://schemas.microsoft.com/office/drawing/2014/main" id="{211A0A85-392D-49DA-B9EC-82262B3B9614}"/>
-              </a:ext>
-              <a:ext uri="{C183D7F6-B498-43B3-948B-1728B52AA6E4}">
-                <adec:decorative xmlns:adec="http://schemas.microsoft.com/office/drawing/2017/decorative" val="1"/>
-              </a:ext>
-            </a:extLst>
-          </p:cNvPr>
-          <p:cNvPicPr>
-            <a:picLocks noGrp="1" noRot="1" noChangeAspect="1" noMove="1" noResize="1" noEditPoints="1" noAdjustHandles="1" noChangeArrowheads="1" noChangeShapeType="1" noCrop="1"/>
-          </p:cNvPicPr>
-          <p:nvPr>
-            <p:extLst>
-              <p:ext uri="{386F3935-93C4-4BCD-93E2-E3B085C9AB24}">
-                <p16:designElem xmlns:p16="http://schemas.microsoft.com/office/powerpoint/2015/main" val="1"/>
-              </p:ext>
-            </p:extLst>
-          </p:nvPr>
-        </p:nvPicPr>
-        <p:blipFill>
-          <a:blip r:embed="rId4">
-            <a:alphaModFix/>
-            <a:extLst>
-              <a:ext uri="{28A0092B-C50C-407E-A947-70E740481C1C}">
-                <a14:useLocalDpi xmlns:a14="http://schemas.microsoft.com/office/drawing/2010/main" val="0"/>
-              </a:ext>
-            </a:extLst>
-          </a:blip>
-          <a:stretch>
-            <a:fillRect/>
-          </a:stretch>
-        </p:blipFill>
-        <p:spPr>
-          <a:xfrm>
-            <a:off x="0" y="0"/>
-            <a:ext cx="12189867" cy="6858000"/>
-          </a:xfrm>
-          <a:prstGeom prst="rect">
-            <a:avLst/>
-          </a:prstGeom>
-        </p:spPr>
-      </p:pic>
-      <p:sp>
-        <p:nvSpPr>
-          <p:cNvPr id="37" name="Rectangle 36">
-            <a:extLst>
-              <a:ext uri="{FF2B5EF4-FFF2-40B4-BE49-F238E27FC236}">
-                <a16:creationId xmlns:a16="http://schemas.microsoft.com/office/drawing/2014/main" id="{73AFD74C-283C-45BD-885B-6E6635E4B3F1}"/>
-              </a:ext>
-              <a:ext uri="{C183D7F6-B498-43B3-948B-1728B52AA6E4}">
-                <adec:decorative xmlns:adec="http://schemas.microsoft.com/office/drawing/2017/decorative" val="1"/>
-              </a:ext>
-            </a:extLst>
-          </p:cNvPr>
-          <p:cNvSpPr>
-            <a:spLocks noGrp="1" noRot="1" noChangeAspect="1" noMove="1" noResize="1" noEditPoints="1" noAdjustHandles="1" noChangeArrowheads="1" noChangeShapeType="1" noTextEdit="1"/>
-          </p:cNvSpPr>
-          <p:nvPr>
-            <p:extLst>
-              <p:ext uri="{386F3935-93C4-4BCD-93E2-E3B085C9AB24}">
-                <p16:designElem xmlns:p16="http://schemas.microsoft.com/office/powerpoint/2015/main" val="1"/>
-              </p:ext>
-            </p:extLst>
-          </p:nvPr>
-        </p:nvSpPr>
-        <p:spPr>
-          <a:xfrm>
-            <a:off x="0" y="0"/>
-            <a:ext cx="964174" cy="6858000"/>
+        </p:nvSpPr>
+        <p:spPr>
+          <a:xfrm>
+            <a:off x="962042" y="0"/>
+            <a:ext cx="45719" cy="6858000"/>
           </a:xfrm>
           <a:prstGeom prst="rect">
             <a:avLst/>
           </a:prstGeom>
           <a:solidFill>
-            <a:schemeClr val="bg2"/>
+            <a:schemeClr val="accent6"/>
           </a:solidFill>
           <a:ln>
             <a:noFill/>
@@ -6641,21 +6635,13 @@
             <a:schemeClr val="lt1"/>
           </a:fontRef>
         </p:style>
-        <p:txBody>
-          <a:bodyPr rtlCol="0" anchor="ctr"/>
-          <a:lstStyle/>
-          <a:p>
-            <a:pPr algn="ctr"/>
-            <a:endParaRPr lang="en-US"/>
-          </a:p>
-        </p:txBody>
-      </p:sp>
-      <p:sp>
-        <p:nvSpPr>
-          <p:cNvPr id="39" name="Rectangle 38">
+      </p:sp>
+      <p:sp>
+        <p:nvSpPr>
+          <p:cNvPr id="56" name="Rectangle 55">
             <a:extLst>
               <a:ext uri="{FF2B5EF4-FFF2-40B4-BE49-F238E27FC236}">
-                <a16:creationId xmlns:a16="http://schemas.microsoft.com/office/drawing/2014/main" id="{CE3DE725-FEB0-422F-BDBA-A29C95768A3F}"/>
+                <a16:creationId xmlns:a16="http://schemas.microsoft.com/office/drawing/2014/main" id="{694E884E-CFA2-4B31-8157-DA73B884632B}"/>
               </a:ext>
               <a:ext uri="{C183D7F6-B498-43B3-948B-1728B52AA6E4}">
                 <adec:decorative xmlns:adec="http://schemas.microsoft.com/office/drawing/2017/decorative" val="1"/>
@@ -6675,71 +6661,8 @@
         </p:nvSpPr>
         <p:spPr>
           <a:xfrm>
-            <a:off x="962042" y="0"/>
-            <a:ext cx="45719" cy="6858000"/>
-          </a:xfrm>
-          <a:prstGeom prst="rect">
-            <a:avLst/>
-          </a:prstGeom>
-          <a:solidFill>
-            <a:schemeClr val="accent6"/>
-          </a:solidFill>
-          <a:ln>
-            <a:noFill/>
-          </a:ln>
-        </p:spPr>
-        <p:style>
-          <a:lnRef idx="2">
-            <a:schemeClr val="accent1">
-              <a:shade val="50000"/>
-            </a:schemeClr>
-          </a:lnRef>
-          <a:fillRef idx="1">
-            <a:schemeClr val="accent1"/>
-          </a:fillRef>
-          <a:effectRef idx="0">
-            <a:schemeClr val="accent1"/>
-          </a:effectRef>
-          <a:fontRef idx="minor">
-            <a:schemeClr val="lt1"/>
-          </a:fontRef>
-        </p:style>
-        <p:txBody>
-          <a:bodyPr rtlCol="0" anchor="ctr"/>
-          <a:lstStyle/>
-          <a:p>
-            <a:pPr algn="ctr"/>
-            <a:endParaRPr lang="en-US"/>
-          </a:p>
-        </p:txBody>
-      </p:sp>
-      <p:sp>
-        <p:nvSpPr>
-          <p:cNvPr id="41" name="Rectangle 40">
-            <a:extLst>
-              <a:ext uri="{FF2B5EF4-FFF2-40B4-BE49-F238E27FC236}">
-                <a16:creationId xmlns:a16="http://schemas.microsoft.com/office/drawing/2014/main" id="{05058156-257B-4118-BA50-5869C8AF6AD7}"/>
-              </a:ext>
-              <a:ext uri="{C183D7F6-B498-43B3-948B-1728B52AA6E4}">
-                <adec:decorative xmlns:adec="http://schemas.microsoft.com/office/drawing/2017/decorative" val="1"/>
-              </a:ext>
-            </a:extLst>
-          </p:cNvPr>
-          <p:cNvSpPr>
-            <a:spLocks noGrp="1" noRot="1" noChangeAspect="1" noMove="1" noResize="1" noEditPoints="1" noAdjustHandles="1" noChangeArrowheads="1" noChangeShapeType="1" noTextEdit="1"/>
-          </p:cNvSpPr>
-          <p:nvPr>
-            <p:extLst>
-              <p:ext uri="{386F3935-93C4-4BCD-93E2-E3B085C9AB24}">
-                <p16:designElem xmlns:p16="http://schemas.microsoft.com/office/powerpoint/2015/main" val="1"/>
-              </p:ext>
-            </p:extLst>
-          </p:nvPr>
-        </p:nvSpPr>
-        <p:spPr>
-          <a:xfrm>
             <a:off x="1007533" y="0"/>
-            <a:ext cx="10378001" cy="6858000"/>
+            <a:ext cx="7934348" cy="6858000"/>
           </a:xfrm>
           <a:prstGeom prst="rect">
             <a:avLst/>
@@ -6769,12 +6692,530 @@
             <a:schemeClr val="lt1"/>
           </a:fontRef>
         </p:style>
+      </p:sp>
+      <p:sp>
+        <p:nvSpPr>
+          <p:cNvPr id="58" name="Rectangle 57">
+            <a:extLst>
+              <a:ext uri="{FF2B5EF4-FFF2-40B4-BE49-F238E27FC236}">
+                <a16:creationId xmlns:a16="http://schemas.microsoft.com/office/drawing/2014/main" id="{3655E855-74FA-4AD3-B859-2488383A9DAF}"/>
+              </a:ext>
+              <a:ext uri="{C183D7F6-B498-43B3-948B-1728B52AA6E4}">
+                <adec:decorative xmlns:adec="http://schemas.microsoft.com/office/drawing/2017/decorative" val="1"/>
+              </a:ext>
+            </a:extLst>
+          </p:cNvPr>
+          <p:cNvSpPr>
+            <a:spLocks noGrp="1" noRot="1" noChangeAspect="1" noMove="1" noResize="1" noEditPoints="1" noAdjustHandles="1" noChangeArrowheads="1" noChangeShapeType="1" noTextEdit="1"/>
+          </p:cNvSpPr>
+          <p:nvPr>
+            <p:extLst>
+              <p:ext uri="{386F3935-93C4-4BCD-93E2-E3B085C9AB24}">
+                <p16:designElem xmlns:p16="http://schemas.microsoft.com/office/powerpoint/2015/main" val="1"/>
+              </p:ext>
+            </p:extLst>
+          </p:nvPr>
+        </p:nvSpPr>
+        <p:spPr>
+          <a:xfrm>
+            <a:off x="8941881" y="0"/>
+            <a:ext cx="27432" cy="6858000"/>
+          </a:xfrm>
+          <a:prstGeom prst="rect">
+            <a:avLst/>
+          </a:prstGeom>
+          <a:solidFill>
+            <a:schemeClr val="accent6"/>
+          </a:solidFill>
+          <a:ln>
+            <a:noFill/>
+          </a:ln>
+        </p:spPr>
+        <p:style>
+          <a:lnRef idx="2">
+            <a:schemeClr val="accent1">
+              <a:shade val="50000"/>
+            </a:schemeClr>
+          </a:lnRef>
+          <a:fillRef idx="1">
+            <a:schemeClr val="accent1"/>
+          </a:fillRef>
+          <a:effectRef idx="0">
+            <a:schemeClr val="accent1"/>
+          </a:effectRef>
+          <a:fontRef idx="minor">
+            <a:schemeClr val="lt1"/>
+          </a:fontRef>
+        </p:style>
+      </p:sp>
+      <p:sp>
+        <p:nvSpPr>
+          <p:cNvPr id="60" name="TextBox 59">
+            <a:extLst>
+              <a:ext uri="{FF2B5EF4-FFF2-40B4-BE49-F238E27FC236}">
+                <a16:creationId xmlns:a16="http://schemas.microsoft.com/office/drawing/2014/main" id="{2E91CD00-2EAB-4689-A44A-C4687605E1D2}"/>
+              </a:ext>
+              <a:ext uri="{C183D7F6-B498-43B3-948B-1728B52AA6E4}">
+                <adec:decorative xmlns:adec="http://schemas.microsoft.com/office/drawing/2017/decorative" val="1"/>
+              </a:ext>
+            </a:extLst>
+          </p:cNvPr>
+          <p:cNvSpPr txBox="1">
+            <a:spLocks noGrp="1" noRot="1" noChangeAspect="1" noMove="1" noResize="1" noEditPoints="1" noAdjustHandles="1" noChangeArrowheads="1" noChangeShapeType="1" noTextEdit="1"/>
+          </p:cNvSpPr>
+          <p:nvPr>
+            <p:extLst>
+              <p:ext uri="{386F3935-93C4-4BCD-93E2-E3B085C9AB24}">
+                <p16:designElem xmlns:p16="http://schemas.microsoft.com/office/powerpoint/2015/main" val="1"/>
+              </p:ext>
+            </p:extLst>
+          </p:nvPr>
+        </p:nvSpPr>
+        <p:spPr>
+          <a:xfrm>
+            <a:off x="2191282" y="3262852"/>
+            <a:ext cx="415636" cy="461665"/>
+          </a:xfrm>
+          <a:prstGeom prst="rect">
+            <a:avLst/>
+          </a:prstGeom>
+          <a:noFill/>
+        </p:spPr>
+        <p:txBody>
+          <a:bodyPr wrap="square" rtlCol="0">
+            <a:spAutoFit/>
+          </a:bodyPr>
+          <a:lstStyle/>
+          <a:p>
+            <a:pPr algn="r">
+              <a:spcAft>
+                <a:spcPts val="600"/>
+              </a:spcAft>
+            </a:pPr>
+            <a:r>
+              <a:rPr lang="en-US" sz="2400" dirty="0">
+                <a:solidFill>
+                  <a:schemeClr val="accent6"/>
+                </a:solidFill>
+                <a:latin typeface="Wingdings 3" panose="05040102010807070707" pitchFamily="18" charset="2"/>
+              </a:rPr>
+              <a:t>z</a:t>
+            </a:r>
+            <a:endParaRPr lang="en-US" sz="2400" dirty="0">
+              <a:solidFill>
+                <a:schemeClr val="accent6"/>
+              </a:solidFill>
+              <a:latin typeface="MS Shell Dlg 2" panose="020B0604030504040204" pitchFamily="34" charset="0"/>
+            </a:endParaRPr>
+          </a:p>
+        </p:txBody>
+      </p:sp>
+      <p:sp useBgFill="1">
+        <p:nvSpPr>
+          <p:cNvPr id="62" name="Rectangle 61">
+            <a:extLst>
+              <a:ext uri="{FF2B5EF4-FFF2-40B4-BE49-F238E27FC236}">
+                <a16:creationId xmlns:a16="http://schemas.microsoft.com/office/drawing/2014/main" id="{CE4E23EB-7D1F-4223-8BC1-FB83F69F205D}"/>
+              </a:ext>
+              <a:ext uri="{C183D7F6-B498-43B3-948B-1728B52AA6E4}">
+                <adec:decorative xmlns:adec="http://schemas.microsoft.com/office/drawing/2017/decorative" val="1"/>
+              </a:ext>
+            </a:extLst>
+          </p:cNvPr>
+          <p:cNvSpPr>
+            <a:spLocks noGrp="1" noRot="1" noChangeAspect="1" noMove="1" noResize="1" noEditPoints="1" noAdjustHandles="1" noChangeArrowheads="1" noChangeShapeType="1" noTextEdit="1"/>
+          </p:cNvSpPr>
+          <p:nvPr>
+            <p:extLst>
+              <p:ext uri="{386F3935-93C4-4BCD-93E2-E3B085C9AB24}">
+                <p16:designElem xmlns:p16="http://schemas.microsoft.com/office/powerpoint/2015/main" val="1"/>
+              </p:ext>
+            </p:extLst>
+          </p:nvPr>
+        </p:nvSpPr>
+        <p:spPr>
+          <a:xfrm>
+            <a:off x="0" y="0"/>
+            <a:ext cx="12189867" cy="6855282"/>
+          </a:xfrm>
+          <a:prstGeom prst="rect">
+            <a:avLst/>
+          </a:prstGeom>
+          <a:ln>
+            <a:noFill/>
+          </a:ln>
+        </p:spPr>
+        <p:style>
+          <a:lnRef idx="2">
+            <a:schemeClr val="accent1">
+              <a:shade val="50000"/>
+            </a:schemeClr>
+          </a:lnRef>
+          <a:fillRef idx="1">
+            <a:schemeClr val="accent1"/>
+          </a:fillRef>
+          <a:effectRef idx="0">
+            <a:schemeClr val="accent1"/>
+          </a:effectRef>
+          <a:fontRef idx="minor">
+            <a:schemeClr val="lt1"/>
+          </a:fontRef>
+        </p:style>
         <p:txBody>
           <a:bodyPr rtlCol="0" anchor="ctr"/>
           <a:lstStyle/>
           <a:p>
             <a:pPr algn="ctr"/>
             <a:endParaRPr lang="en-US"/>
+          </a:p>
+        </p:txBody>
+      </p:sp>
+      <p:pic>
+        <p:nvPicPr>
+          <p:cNvPr id="64" name="Picture 63">
+            <a:extLst>
+              <a:ext uri="{FF2B5EF4-FFF2-40B4-BE49-F238E27FC236}">
+                <a16:creationId xmlns:a16="http://schemas.microsoft.com/office/drawing/2014/main" id="{B2698634-69E1-4F09-BCF7-366A5A5C4F5F}"/>
+              </a:ext>
+              <a:ext uri="{C183D7F6-B498-43B3-948B-1728B52AA6E4}">
+                <adec:decorative xmlns:adec="http://schemas.microsoft.com/office/drawing/2017/decorative" val="1"/>
+              </a:ext>
+            </a:extLst>
+          </p:cNvPr>
+          <p:cNvPicPr>
+            <a:picLocks noGrp="1" noRot="1" noChangeAspect="1" noMove="1" noResize="1" noEditPoints="1" noAdjustHandles="1" noChangeArrowheads="1" noChangeShapeType="1" noCrop="1"/>
+          </p:cNvPicPr>
+          <p:nvPr>
+            <p:extLst>
+              <p:ext uri="{386F3935-93C4-4BCD-93E2-E3B085C9AB24}">
+                <p16:designElem xmlns:p16="http://schemas.microsoft.com/office/powerpoint/2015/main" val="1"/>
+              </p:ext>
+            </p:extLst>
+          </p:nvPr>
+        </p:nvPicPr>
+        <p:blipFill>
+          <a:blip r:embed="rId3">
+            <a:extLst>
+              <a:ext uri="{28A0092B-C50C-407E-A947-70E740481C1C}">
+                <a14:useLocalDpi xmlns:a14="http://schemas.microsoft.com/office/drawing/2010/main" val="0"/>
+              </a:ext>
+            </a:extLst>
+          </a:blip>
+          <a:stretch>
+            <a:fillRect/>
+          </a:stretch>
+        </p:blipFill>
+        <p:spPr>
+          <a:xfrm>
+            <a:off x="2831794" y="2105202"/>
+            <a:ext cx="9360205" cy="4752798"/>
+          </a:xfrm>
+          <a:prstGeom prst="rect">
+            <a:avLst/>
+          </a:prstGeom>
+        </p:spPr>
+      </p:pic>
+      <p:pic>
+        <p:nvPicPr>
+          <p:cNvPr id="66" name="Picture 65">
+            <a:extLst>
+              <a:ext uri="{FF2B5EF4-FFF2-40B4-BE49-F238E27FC236}">
+                <a16:creationId xmlns:a16="http://schemas.microsoft.com/office/drawing/2014/main" id="{3675C6A3-66C2-4CB7-AC7E-F274B7277EEC}"/>
+              </a:ext>
+              <a:ext uri="{C183D7F6-B498-43B3-948B-1728B52AA6E4}">
+                <adec:decorative xmlns:adec="http://schemas.microsoft.com/office/drawing/2017/decorative" val="1"/>
+              </a:ext>
+            </a:extLst>
+          </p:cNvPr>
+          <p:cNvPicPr>
+            <a:picLocks noGrp="1" noRot="1" noChangeAspect="1" noMove="1" noResize="1" noEditPoints="1" noAdjustHandles="1" noChangeArrowheads="1" noChangeShapeType="1" noCrop="1"/>
+          </p:cNvPicPr>
+          <p:nvPr>
+            <p:extLst>
+              <p:ext uri="{386F3935-93C4-4BCD-93E2-E3B085C9AB24}">
+                <p16:designElem xmlns:p16="http://schemas.microsoft.com/office/powerpoint/2015/main" val="1"/>
+              </p:ext>
+            </p:extLst>
+          </p:nvPr>
+        </p:nvPicPr>
+        <p:blipFill>
+          <a:blip r:embed="rId4">
+            <a:alphaModFix/>
+            <a:extLst>
+              <a:ext uri="{28A0092B-C50C-407E-A947-70E740481C1C}">
+                <a14:useLocalDpi xmlns:a14="http://schemas.microsoft.com/office/drawing/2010/main" val="0"/>
+              </a:ext>
+            </a:extLst>
+          </a:blip>
+          <a:stretch>
+            <a:fillRect/>
+          </a:stretch>
+        </p:blipFill>
+        <p:spPr>
+          <a:xfrm>
+            <a:off x="0" y="0"/>
+            <a:ext cx="12189867" cy="6858000"/>
+          </a:xfrm>
+          <a:prstGeom prst="rect">
+            <a:avLst/>
+          </a:prstGeom>
+        </p:spPr>
+      </p:pic>
+      <p:sp>
+        <p:nvSpPr>
+          <p:cNvPr id="68" name="Rectangle 67">
+            <a:extLst>
+              <a:ext uri="{FF2B5EF4-FFF2-40B4-BE49-F238E27FC236}">
+                <a16:creationId xmlns:a16="http://schemas.microsoft.com/office/drawing/2014/main" id="{62E5A367-0F56-4156-A2AE-FAD07299AC02}"/>
+              </a:ext>
+              <a:ext uri="{C183D7F6-B498-43B3-948B-1728B52AA6E4}">
+                <adec:decorative xmlns:adec="http://schemas.microsoft.com/office/drawing/2017/decorative" val="1"/>
+              </a:ext>
+            </a:extLst>
+          </p:cNvPr>
+          <p:cNvSpPr>
+            <a:spLocks noGrp="1" noRot="1" noChangeAspect="1" noMove="1" noResize="1" noEditPoints="1" noAdjustHandles="1" noChangeArrowheads="1" noChangeShapeType="1" noTextEdit="1"/>
+          </p:cNvSpPr>
+          <p:nvPr>
+            <p:extLst>
+              <p:ext uri="{386F3935-93C4-4BCD-93E2-E3B085C9AB24}">
+                <p16:designElem xmlns:p16="http://schemas.microsoft.com/office/powerpoint/2015/main" val="1"/>
+              </p:ext>
+            </p:extLst>
+          </p:nvPr>
+        </p:nvSpPr>
+        <p:spPr>
+          <a:xfrm>
+            <a:off x="0" y="0"/>
+            <a:ext cx="964174" cy="6858000"/>
+          </a:xfrm>
+          <a:prstGeom prst="rect">
+            <a:avLst/>
+          </a:prstGeom>
+          <a:solidFill>
+            <a:schemeClr val="bg2"/>
+          </a:solidFill>
+          <a:ln>
+            <a:noFill/>
+          </a:ln>
+        </p:spPr>
+        <p:style>
+          <a:lnRef idx="2">
+            <a:schemeClr val="accent1">
+              <a:shade val="50000"/>
+            </a:schemeClr>
+          </a:lnRef>
+          <a:fillRef idx="1">
+            <a:schemeClr val="accent1"/>
+          </a:fillRef>
+          <a:effectRef idx="0">
+            <a:schemeClr val="accent1"/>
+          </a:effectRef>
+          <a:fontRef idx="minor">
+            <a:schemeClr val="lt1"/>
+          </a:fontRef>
+        </p:style>
+        <p:txBody>
+          <a:bodyPr rtlCol="0" anchor="ctr"/>
+          <a:lstStyle/>
+          <a:p>
+            <a:pPr algn="ctr"/>
+            <a:endParaRPr lang="en-US"/>
+          </a:p>
+        </p:txBody>
+      </p:sp>
+      <p:sp>
+        <p:nvSpPr>
+          <p:cNvPr id="70" name="Rectangle 69">
+            <a:extLst>
+              <a:ext uri="{FF2B5EF4-FFF2-40B4-BE49-F238E27FC236}">
+                <a16:creationId xmlns:a16="http://schemas.microsoft.com/office/drawing/2014/main" id="{E1AAEB5E-C547-4C88-B0D8-F24BE79FD128}"/>
+              </a:ext>
+              <a:ext uri="{C183D7F6-B498-43B3-948B-1728B52AA6E4}">
+                <adec:decorative xmlns:adec="http://schemas.microsoft.com/office/drawing/2017/decorative" val="1"/>
+              </a:ext>
+            </a:extLst>
+          </p:cNvPr>
+          <p:cNvSpPr>
+            <a:spLocks noGrp="1" noRot="1" noChangeAspect="1" noMove="1" noResize="1" noEditPoints="1" noAdjustHandles="1" noChangeArrowheads="1" noChangeShapeType="1" noTextEdit="1"/>
+          </p:cNvSpPr>
+          <p:nvPr>
+            <p:extLst>
+              <p:ext uri="{386F3935-93C4-4BCD-93E2-E3B085C9AB24}">
+                <p16:designElem xmlns:p16="http://schemas.microsoft.com/office/powerpoint/2015/main" val="1"/>
+              </p:ext>
+            </p:extLst>
+          </p:nvPr>
+        </p:nvSpPr>
+        <p:spPr>
+          <a:xfrm>
+            <a:off x="962042" y="0"/>
+            <a:ext cx="45719" cy="6858000"/>
+          </a:xfrm>
+          <a:prstGeom prst="rect">
+            <a:avLst/>
+          </a:prstGeom>
+          <a:solidFill>
+            <a:schemeClr val="accent6"/>
+          </a:solidFill>
+          <a:ln>
+            <a:noFill/>
+          </a:ln>
+        </p:spPr>
+        <p:style>
+          <a:lnRef idx="2">
+            <a:schemeClr val="accent1">
+              <a:shade val="50000"/>
+            </a:schemeClr>
+          </a:lnRef>
+          <a:fillRef idx="1">
+            <a:schemeClr val="accent1"/>
+          </a:fillRef>
+          <a:effectRef idx="0">
+            <a:schemeClr val="accent1"/>
+          </a:effectRef>
+          <a:fontRef idx="minor">
+            <a:schemeClr val="lt1"/>
+          </a:fontRef>
+        </p:style>
+        <p:txBody>
+          <a:bodyPr rtlCol="0" anchor="ctr"/>
+          <a:lstStyle/>
+          <a:p>
+            <a:pPr algn="ctr"/>
+            <a:endParaRPr lang="en-US"/>
+          </a:p>
+        </p:txBody>
+      </p:sp>
+      <p:sp>
+        <p:nvSpPr>
+          <p:cNvPr id="72" name="Rectangle 71">
+            <a:extLst>
+              <a:ext uri="{FF2B5EF4-FFF2-40B4-BE49-F238E27FC236}">
+                <a16:creationId xmlns:a16="http://schemas.microsoft.com/office/drawing/2014/main" id="{EB74DCE7-E922-457A-88B0-4299A3DA6871}"/>
+              </a:ext>
+              <a:ext uri="{C183D7F6-B498-43B3-948B-1728B52AA6E4}">
+                <adec:decorative xmlns:adec="http://schemas.microsoft.com/office/drawing/2017/decorative" val="1"/>
+              </a:ext>
+            </a:extLst>
+          </p:cNvPr>
+          <p:cNvSpPr>
+            <a:spLocks noGrp="1" noRot="1" noChangeAspect="1" noMove="1" noResize="1" noEditPoints="1" noAdjustHandles="1" noChangeArrowheads="1" noChangeShapeType="1" noTextEdit="1"/>
+          </p:cNvSpPr>
+          <p:nvPr>
+            <p:extLst>
+              <p:ext uri="{386F3935-93C4-4BCD-93E2-E3B085C9AB24}">
+                <p16:designElem xmlns:p16="http://schemas.microsoft.com/office/powerpoint/2015/main" val="1"/>
+              </p:ext>
+            </p:extLst>
+          </p:nvPr>
+        </p:nvSpPr>
+        <p:spPr>
+          <a:xfrm>
+            <a:off x="1007533" y="0"/>
+            <a:ext cx="10378001" cy="6858000"/>
+          </a:xfrm>
+          <a:prstGeom prst="rect">
+            <a:avLst/>
+          </a:prstGeom>
+          <a:solidFill>
+            <a:schemeClr val="bg2">
+              <a:alpha val="92000"/>
+            </a:schemeClr>
+          </a:solidFill>
+          <a:ln>
+            <a:noFill/>
+          </a:ln>
+        </p:spPr>
+        <p:style>
+          <a:lnRef idx="2">
+            <a:schemeClr val="accent1">
+              <a:shade val="50000"/>
+            </a:schemeClr>
+          </a:lnRef>
+          <a:fillRef idx="1">
+            <a:schemeClr val="accent1"/>
+          </a:fillRef>
+          <a:effectRef idx="0">
+            <a:schemeClr val="accent1"/>
+          </a:effectRef>
+          <a:fontRef idx="minor">
+            <a:schemeClr val="lt1"/>
+          </a:fontRef>
+        </p:style>
+        <p:txBody>
+          <a:bodyPr rtlCol="0" anchor="ctr"/>
+          <a:lstStyle/>
+          <a:p>
+            <a:pPr algn="ctr"/>
+            <a:endParaRPr lang="en-US"/>
+          </a:p>
+        </p:txBody>
+      </p:sp>
+      <p:sp>
+        <p:nvSpPr>
+          <p:cNvPr id="8" name="Title 1">
+            <a:extLst>
+              <a:ext uri="{FF2B5EF4-FFF2-40B4-BE49-F238E27FC236}">
+                <a16:creationId xmlns:a16="http://schemas.microsoft.com/office/drawing/2014/main" id="{780578A0-2D91-03E7-331D-C72C38A11101}"/>
+              </a:ext>
+            </a:extLst>
+          </p:cNvPr>
+          <p:cNvSpPr txBox="1">
+            <a:spLocks/>
+          </p:cNvSpPr>
+          <p:nvPr/>
+        </p:nvSpPr>
+        <p:spPr>
+          <a:xfrm>
+            <a:off x="2053083" y="352909"/>
+            <a:ext cx="8445357" cy="883524"/>
+          </a:xfrm>
+          <a:prstGeom prst="rect">
+            <a:avLst/>
+          </a:prstGeom>
+        </p:spPr>
+        <p:txBody>
+          <a:bodyPr vert="horz" lIns="91440" tIns="45720" rIns="91440" bIns="45720" rtlCol="0" anchor="t">
+            <a:normAutofit/>
+          </a:bodyPr>
+          <a:lstStyle>
+            <a:lvl1pPr algn="r" defTabSz="914400" rtl="0" eaLnBrk="1" latinLnBrk="0" hangingPunct="1">
+              <a:lnSpc>
+                <a:spcPct val="90000"/>
+              </a:lnSpc>
+              <a:spcBef>
+                <a:spcPct val="0"/>
+              </a:spcBef>
+              <a:buNone/>
+              <a:defRPr sz="3400" b="0" i="0" kern="1200" cap="none">
+                <a:solidFill>
+                  <a:schemeClr val="tx1"/>
+                </a:solidFill>
+                <a:effectLst/>
+                <a:latin typeface="+mj-lt"/>
+                <a:ea typeface="+mj-ea"/>
+                <a:cs typeface="+mj-cs"/>
+              </a:defRPr>
+            </a:lvl1pPr>
+          </a:lstStyle>
+          <a:p>
+            <a:pPr algn="l">
+              <a:spcAft>
+                <a:spcPts val="600"/>
+              </a:spcAft>
+            </a:pPr>
+            <a:r>
+              <a:rPr lang="en-US" sz="2600" dirty="0"/>
+              <a:t>Correlation:</a:t>
+            </a:r>
+            <a:br>
+              <a:rPr lang="en-US" sz="2600" dirty="0"/>
+            </a:br>
+            <a:r>
+              <a:rPr lang="en-US" sz="2600" dirty="0"/>
+              <a:t>Inverse relationship between MPG and weight</a:t>
+            </a:r>
           </a:p>
         </p:txBody>
       </p:sp>
@@ -6792,16 +7233,15 @@
           </p:cNvPicPr>
           <p:nvPr/>
         </p:nvPicPr>
-        <p:blipFill>
+        <p:blipFill rotWithShape="1">
           <a:blip r:embed="rId5"/>
-          <a:stretch>
-            <a:fillRect/>
-          </a:stretch>
+          <a:srcRect t="-135" r="2" b="247"/>
+          <a:stretch/>
         </p:blipFill>
         <p:spPr>
           <a:xfrm>
-            <a:off x="2544837" y="1095768"/>
-            <a:ext cx="7102325" cy="5664105"/>
+            <a:off x="1037316" y="2293556"/>
+            <a:ext cx="5094179" cy="4058122"/>
           </a:xfrm>
           <a:prstGeom prst="rect">
             <a:avLst/>
@@ -6840,12 +7280,73 @@
           </a:effectLst>
         </p:spPr>
       </p:pic>
-      <p:sp>
-        <p:nvSpPr>
-          <p:cNvPr id="43" name="Rectangle 42">
+      <p:pic>
+        <p:nvPicPr>
+          <p:cNvPr id="15" name="Picture 14" descr="A graph with a red line&#10;&#10;Description automatically generated">
             <a:extLst>
               <a:ext uri="{FF2B5EF4-FFF2-40B4-BE49-F238E27FC236}">
-                <a16:creationId xmlns:a16="http://schemas.microsoft.com/office/drawing/2014/main" id="{D23B4D99-FEA8-489A-8436-A2F113BE1B6E}"/>
+                <a16:creationId xmlns:a16="http://schemas.microsoft.com/office/drawing/2014/main" id="{A2327501-77B3-1698-98CC-66B8EECA4518}"/>
+              </a:ext>
+            </a:extLst>
+          </p:cNvPr>
+          <p:cNvPicPr>
+            <a:picLocks noChangeAspect="1"/>
+          </p:cNvPicPr>
+          <p:nvPr/>
+        </p:nvPicPr>
+        <p:blipFill rotWithShape="1">
+          <a:blip r:embed="rId6"/>
+          <a:srcRect t="-1" b="-301"/>
+          <a:stretch/>
+        </p:blipFill>
+        <p:spPr>
+          <a:xfrm>
+            <a:off x="6253051" y="2293555"/>
+            <a:ext cx="5010927" cy="4058123"/>
+          </a:xfrm>
+          <a:prstGeom prst="rect">
+            <a:avLst/>
+          </a:prstGeom>
+          <a:ln>
+            <a:gradFill flip="none" rotWithShape="1">
+              <a:gsLst>
+                <a:gs pos="86000">
+                  <a:schemeClr val="accent6">
+                    <a:lumMod val="67000"/>
+                  </a:schemeClr>
+                </a:gs>
+                <a:gs pos="20000">
+                  <a:schemeClr val="accent6">
+                    <a:lumMod val="97000"/>
+                    <a:lumOff val="3000"/>
+                  </a:schemeClr>
+                </a:gs>
+                <a:gs pos="100000">
+                  <a:schemeClr val="accent6">
+                    <a:lumMod val="60000"/>
+                    <a:lumOff val="40000"/>
+                  </a:schemeClr>
+                </a:gs>
+              </a:gsLst>
+              <a:lin ang="16200000" scaled="1"/>
+              <a:tileRect/>
+            </a:gradFill>
+          </a:ln>
+          <a:effectLst>
+            <a:innerShdw blurRad="127000">
+              <a:prstClr val="black">
+                <a:alpha val="90000"/>
+              </a:prstClr>
+            </a:innerShdw>
+          </a:effectLst>
+        </p:spPr>
+      </p:pic>
+      <p:sp>
+        <p:nvSpPr>
+          <p:cNvPr id="74" name="Rectangle 73">
+            <a:extLst>
+              <a:ext uri="{FF2B5EF4-FFF2-40B4-BE49-F238E27FC236}">
+                <a16:creationId xmlns:a16="http://schemas.microsoft.com/office/drawing/2014/main" id="{047B410D-C384-4834-95F7-EFE768C43941}"/>
               </a:ext>
               <a:ext uri="{C183D7F6-B498-43B3-948B-1728B52AA6E4}">
                 <adec:decorative xmlns:adec="http://schemas.microsoft.com/office/drawing/2017/decorative" val="1"/>
@@ -6900,70 +7401,6 @@
           <a:p>
             <a:pPr algn="ctr"/>
             <a:endParaRPr lang="en-US"/>
-          </a:p>
-        </p:txBody>
-      </p:sp>
-      <p:sp>
-        <p:nvSpPr>
-          <p:cNvPr id="8" name="Title 1">
-            <a:extLst>
-              <a:ext uri="{FF2B5EF4-FFF2-40B4-BE49-F238E27FC236}">
-                <a16:creationId xmlns:a16="http://schemas.microsoft.com/office/drawing/2014/main" id="{780578A0-2D91-03E7-331D-C72C38A11101}"/>
-              </a:ext>
-            </a:extLst>
-          </p:cNvPr>
-          <p:cNvSpPr txBox="1">
-            <a:spLocks/>
-          </p:cNvSpPr>
-          <p:nvPr/>
-        </p:nvSpPr>
-        <p:spPr>
-          <a:xfrm>
-            <a:off x="2115767" y="185861"/>
-            <a:ext cx="7958331" cy="1077229"/>
-          </a:xfrm>
-          <a:prstGeom prst="rect">
-            <a:avLst/>
-          </a:prstGeom>
-        </p:spPr>
-        <p:txBody>
-          <a:bodyPr vert="horz" lIns="91440" tIns="45720" rIns="91440" bIns="45720" rtlCol="0" anchor="t">
-            <a:normAutofit fontScale="77500" lnSpcReduction="20000"/>
-          </a:bodyPr>
-          <a:lstStyle>
-            <a:lvl1pPr algn="r" defTabSz="914400" rtl="0" eaLnBrk="1" latinLnBrk="0" hangingPunct="1">
-              <a:lnSpc>
-                <a:spcPct val="90000"/>
-              </a:lnSpc>
-              <a:spcBef>
-                <a:spcPct val="0"/>
-              </a:spcBef>
-              <a:buNone/>
-              <a:defRPr sz="3400" b="0" i="0" kern="1200" cap="none">
-                <a:solidFill>
-                  <a:schemeClr val="tx1"/>
-                </a:solidFill>
-                <a:effectLst/>
-                <a:latin typeface="+mj-lt"/>
-                <a:ea typeface="+mj-ea"/>
-                <a:cs typeface="+mj-cs"/>
-              </a:defRPr>
-            </a:lvl1pPr>
-          </a:lstStyle>
-          <a:p>
-            <a:pPr algn="l"/>
-            <a:r>
-              <a:rPr lang="en-US" sz="3600" dirty="0"/>
-              <a:t>Correlation:</a:t>
-            </a:r>
-            <a:br>
-              <a:rPr lang="en-US" sz="3600" dirty="0"/>
-            </a:br>
-            <a:r>
-              <a:rPr lang="en-US" sz="3600" dirty="0"/>
-              <a:t>Inverse relationship between MPG and weight</a:t>
-            </a:r>
-            <a:endParaRPr lang="en-US" dirty="0"/>
           </a:p>
         </p:txBody>
       </p:sp>

--- a/cars_case_study_final.pptx
+++ b/cars_case_study_final.pptx
@@ -13,6 +13,8 @@
     <p:sldId id="264" r:id="rId7"/>
     <p:sldId id="265" r:id="rId8"/>
     <p:sldId id="266" r:id="rId9"/>
+    <p:sldId id="267" r:id="rId10"/>
+    <p:sldId id="268" r:id="rId11"/>
   </p:sldIdLst>
   <p:sldSz cx="12192000" cy="6858000"/>
   <p:notesSz cx="6858000" cy="9144000"/>
@@ -4799,7 +4801,7 @@
         </p:spPr>
         <p:txBody>
           <a:bodyPr>
-            <a:normAutofit/>
+            <a:normAutofit fontScale="90000"/>
           </a:bodyPr>
           <a:lstStyle/>
           <a:p>
@@ -4807,6 +4809,10 @@
               <a:rPr lang="en-US" sz="4800" dirty="0"/>
               <a:t>Cars: 1970-1982</a:t>
             </a:r>
+            <a:br>
+              <a:rPr lang="en-US" sz="4800" dirty="0"/>
+            </a:br>
+            <a:endParaRPr lang="en-US" sz="4800" dirty="0"/>
           </a:p>
         </p:txBody>
       </p:sp>
@@ -5002,6 +5008,42 @@
           <a:p>
             <a:pPr algn="ctr"/>
             <a:endParaRPr lang="en-US"/>
+          </a:p>
+        </p:txBody>
+      </p:sp>
+      <p:sp>
+        <p:nvSpPr>
+          <p:cNvPr id="4" name="TextBox 3">
+            <a:extLst>
+              <a:ext uri="{FF2B5EF4-FFF2-40B4-BE49-F238E27FC236}">
+                <a16:creationId xmlns:a16="http://schemas.microsoft.com/office/drawing/2014/main" id="{2D5DB351-6200-4C76-C40B-126DA3924B75}"/>
+              </a:ext>
+            </a:extLst>
+          </p:cNvPr>
+          <p:cNvSpPr txBox="1"/>
+          <p:nvPr/>
+        </p:nvSpPr>
+        <p:spPr>
+          <a:xfrm>
+            <a:off x="7010160" y="6049945"/>
+            <a:ext cx="3318152" cy="369332"/>
+          </a:xfrm>
+          <a:prstGeom prst="rect">
+            <a:avLst/>
+          </a:prstGeom>
+          <a:noFill/>
+        </p:spPr>
+        <p:txBody>
+          <a:bodyPr wrap="none" rtlCol="0">
+            <a:spAutoFit/>
+          </a:bodyPr>
+          <a:lstStyle/>
+          <a:p>
+            <a:pPr algn="r"/>
+            <a:r>
+              <a:rPr lang="en-US" dirty="0"/>
+              <a:t>Authors: LTM, YJ, Ashton, Ben</a:t>
+            </a:r>
           </a:p>
         </p:txBody>
       </p:sp>
@@ -5157,6 +5199,106 @@
 </p:sld>
 </file>
 
+<file path=ppt/slides/slide10.xml><?xml version="1.0" encoding="utf-8"?>
+<p:sld xmlns:a="http://schemas.openxmlformats.org/drawingml/2006/main" xmlns:r="http://schemas.openxmlformats.org/officeDocument/2006/relationships" xmlns:p="http://schemas.openxmlformats.org/presentationml/2006/main">
+  <p:cSld>
+    <p:spTree>
+      <p:nvGrpSpPr>
+        <p:cNvPr id="1" name=""/>
+        <p:cNvGrpSpPr/>
+        <p:nvPr/>
+      </p:nvGrpSpPr>
+      <p:grpSpPr>
+        <a:xfrm>
+          <a:off x="0" y="0"/>
+          <a:ext cx="0" cy="0"/>
+          <a:chOff x="0" y="0"/>
+          <a:chExt cx="0" cy="0"/>
+        </a:xfrm>
+      </p:grpSpPr>
+      <p:sp>
+        <p:nvSpPr>
+          <p:cNvPr id="2" name="Title 1">
+            <a:extLst>
+              <a:ext uri="{FF2B5EF4-FFF2-40B4-BE49-F238E27FC236}">
+                <a16:creationId xmlns:a16="http://schemas.microsoft.com/office/drawing/2014/main" id="{7137CD63-621A-C44D-E410-A973B73684BA}"/>
+              </a:ext>
+            </a:extLst>
+          </p:cNvPr>
+          <p:cNvSpPr>
+            <a:spLocks noGrp="1"/>
+          </p:cNvSpPr>
+          <p:nvPr>
+            <p:ph type="title"/>
+          </p:nvPr>
+        </p:nvSpPr>
+        <p:spPr/>
+        <p:txBody>
+          <a:bodyPr/>
+          <a:lstStyle/>
+          <a:p>
+            <a:pPr algn="l"/>
+            <a:r>
+              <a:rPr lang="en-US" dirty="0"/>
+              <a:t>Repository location</a:t>
+            </a:r>
+          </a:p>
+        </p:txBody>
+      </p:sp>
+      <p:sp>
+        <p:nvSpPr>
+          <p:cNvPr id="3" name="Content Placeholder 2">
+            <a:extLst>
+              <a:ext uri="{FF2B5EF4-FFF2-40B4-BE49-F238E27FC236}">
+                <a16:creationId xmlns:a16="http://schemas.microsoft.com/office/drawing/2014/main" id="{C3FC197D-F3FB-18E2-8B52-512ACF80A985}"/>
+              </a:ext>
+            </a:extLst>
+          </p:cNvPr>
+          <p:cNvSpPr>
+            <a:spLocks noGrp="1"/>
+          </p:cNvSpPr>
+          <p:nvPr>
+            <p:ph idx="1"/>
+          </p:nvPr>
+        </p:nvSpPr>
+        <p:spPr/>
+        <p:txBody>
+          <a:bodyPr/>
+          <a:lstStyle/>
+          <a:p>
+            <a:r>
+              <a:rPr lang="en-US" dirty="0"/>
+              <a:t>https://</a:t>
+            </a:r>
+            <a:r>
+              <a:rPr lang="en-US" dirty="0" err="1"/>
+              <a:t>github.com</a:t>
+            </a:r>
+            <a:r>
+              <a:rPr lang="en-US" dirty="0"/>
+              <a:t>/mesege1/</a:t>
+            </a:r>
+            <a:r>
+              <a:rPr lang="en-US" dirty="0" err="1"/>
+              <a:t>stats_case_study</a:t>
+            </a:r>
+            <a:endParaRPr lang="en-US" dirty="0"/>
+          </a:p>
+        </p:txBody>
+      </p:sp>
+    </p:spTree>
+    <p:extLst>
+      <p:ext uri="{BB962C8B-B14F-4D97-AF65-F5344CB8AC3E}">
+        <p14:creationId xmlns:p14="http://schemas.microsoft.com/office/powerpoint/2010/main" val="3833287957"/>
+      </p:ext>
+    </p:extLst>
+  </p:cSld>
+  <p:clrMapOvr>
+    <a:masterClrMapping/>
+  </p:clrMapOvr>
+</p:sld>
+</file>
+
 <file path=ppt/slides/slide2.xml><?xml version="1.0" encoding="utf-8"?>
 <p:sld xmlns:a="http://schemas.openxmlformats.org/drawingml/2006/main" xmlns:r="http://schemas.openxmlformats.org/officeDocument/2006/relationships" xmlns:p="http://schemas.openxmlformats.org/presentationml/2006/main">
   <p:cSld>
@@ -9094,6 +9236,114 @@
     <p:extLst>
       <p:ext uri="{BB962C8B-B14F-4D97-AF65-F5344CB8AC3E}">
         <p14:creationId xmlns:p14="http://schemas.microsoft.com/office/powerpoint/2010/main" val="1707710675"/>
+      </p:ext>
+    </p:extLst>
+  </p:cSld>
+  <p:clrMapOvr>
+    <a:masterClrMapping/>
+  </p:clrMapOvr>
+</p:sld>
+</file>
+
+<file path=ppt/slides/slide9.xml><?xml version="1.0" encoding="utf-8"?>
+<p:sld xmlns:a="http://schemas.openxmlformats.org/drawingml/2006/main" xmlns:r="http://schemas.openxmlformats.org/officeDocument/2006/relationships" xmlns:p="http://schemas.openxmlformats.org/presentationml/2006/main">
+  <p:cSld>
+    <p:spTree>
+      <p:nvGrpSpPr>
+        <p:cNvPr id="1" name=""/>
+        <p:cNvGrpSpPr/>
+        <p:nvPr/>
+      </p:nvGrpSpPr>
+      <p:grpSpPr>
+        <a:xfrm>
+          <a:off x="0" y="0"/>
+          <a:ext cx="0" cy="0"/>
+          <a:chOff x="0" y="0"/>
+          <a:chExt cx="0" cy="0"/>
+        </a:xfrm>
+      </p:grpSpPr>
+      <p:sp>
+        <p:nvSpPr>
+          <p:cNvPr id="2" name="Title 1">
+            <a:extLst>
+              <a:ext uri="{FF2B5EF4-FFF2-40B4-BE49-F238E27FC236}">
+                <a16:creationId xmlns:a16="http://schemas.microsoft.com/office/drawing/2014/main" id="{2D4963D5-E570-AD95-8CF3-56575CEAA941}"/>
+              </a:ext>
+            </a:extLst>
+          </p:cNvPr>
+          <p:cNvSpPr>
+            <a:spLocks noGrp="1"/>
+          </p:cNvSpPr>
+          <p:nvPr>
+            <p:ph type="title"/>
+          </p:nvPr>
+        </p:nvSpPr>
+        <p:spPr/>
+        <p:txBody>
+          <a:bodyPr/>
+          <a:lstStyle/>
+          <a:p>
+            <a:pPr algn="l"/>
+            <a:r>
+              <a:rPr lang="en-US" dirty="0"/>
+              <a:t>Conclusion</a:t>
+            </a:r>
+          </a:p>
+        </p:txBody>
+      </p:sp>
+      <p:sp>
+        <p:nvSpPr>
+          <p:cNvPr id="3" name="Content Placeholder 2">
+            <a:extLst>
+              <a:ext uri="{FF2B5EF4-FFF2-40B4-BE49-F238E27FC236}">
+                <a16:creationId xmlns:a16="http://schemas.microsoft.com/office/drawing/2014/main" id="{A722C079-516A-2E25-4D32-E880A24D1574}"/>
+              </a:ext>
+            </a:extLst>
+          </p:cNvPr>
+          <p:cNvSpPr>
+            <a:spLocks noGrp="1"/>
+          </p:cNvSpPr>
+          <p:nvPr>
+            <p:ph idx="1"/>
+          </p:nvPr>
+        </p:nvSpPr>
+        <p:spPr>
+          <a:xfrm>
+            <a:off x="1783652" y="1885285"/>
+            <a:ext cx="7796540" cy="3997828"/>
+          </a:xfrm>
+        </p:spPr>
+        <p:txBody>
+          <a:bodyPr/>
+          <a:lstStyle/>
+          <a:p>
+            <a:r>
+              <a:rPr lang="en-US" dirty="0"/>
+              <a:t>The Null hypothesis was rejected based on the data</a:t>
+            </a:r>
+          </a:p>
+          <a:p>
+            <a:endParaRPr lang="en-US" dirty="0"/>
+          </a:p>
+          <a:p>
+            <a:r>
+              <a:rPr lang="en-US" dirty="0"/>
+              <a:t>MPG does increase/decreases by weight of vehicle</a:t>
+            </a:r>
+          </a:p>
+          <a:p>
+            <a:pPr lvl="1"/>
+            <a:r>
+              <a:rPr lang="en-US" dirty="0"/>
+              <a:t>As the weight of a vehicle increases the MPG decreases</a:t>
+            </a:r>
+          </a:p>
+        </p:txBody>
+      </p:sp>
+    </p:spTree>
+    <p:extLst>
+      <p:ext uri="{BB962C8B-B14F-4D97-AF65-F5344CB8AC3E}">
+        <p14:creationId xmlns:p14="http://schemas.microsoft.com/office/powerpoint/2010/main" val="1032458968"/>
       </p:ext>
     </p:extLst>
   </p:cSld>
